--- a/Capstone Project Report_ppt.pptx
+++ b/Capstone Project Report_ppt.pptx
@@ -312,7 +312,7 @@
           <a:p>
             <a:fld id="{B06FC500-8883-467F-86CC-3DD840E6FD87}" type="datetimeFigureOut">
               <a:rPr lang="en-US" smtClean="0"/>
-              <a:t>11/19/2022</a:t>
+              <a:t>11/20/2022</a:t>
             </a:fld>
             <a:endParaRPr lang="en-US"/>
           </a:p>
@@ -477,7 +477,7 @@
           <a:p>
             <a:fld id="{B06FC500-8883-467F-86CC-3DD840E6FD87}" type="datetimeFigureOut">
               <a:rPr lang="en-US" smtClean="0"/>
-              <a:t>11/19/2022</a:t>
+              <a:t>11/20/2022</a:t>
             </a:fld>
             <a:endParaRPr lang="en-US"/>
           </a:p>
@@ -652,7 +652,7 @@
           <a:p>
             <a:fld id="{B06FC500-8883-467F-86CC-3DD840E6FD87}" type="datetimeFigureOut">
               <a:rPr lang="en-US" smtClean="0"/>
-              <a:t>11/19/2022</a:t>
+              <a:t>11/20/2022</a:t>
             </a:fld>
             <a:endParaRPr lang="en-US"/>
           </a:p>
@@ -835,7 +835,7 @@
           <a:p>
             <a:fld id="{B06FC500-8883-467F-86CC-3DD840E6FD87}" type="datetimeFigureOut">
               <a:rPr lang="en-US" smtClean="0"/>
-              <a:t>11/19/2022</a:t>
+              <a:t>11/20/2022</a:t>
             </a:fld>
             <a:endParaRPr lang="en-US"/>
           </a:p>
@@ -1097,7 +1097,7 @@
           <a:p>
             <a:fld id="{B06FC500-8883-467F-86CC-3DD840E6FD87}" type="datetimeFigureOut">
               <a:rPr lang="en-US" smtClean="0"/>
-              <a:t>11/19/2022</a:t>
+              <a:t>11/20/2022</a:t>
             </a:fld>
             <a:endParaRPr lang="en-US"/>
           </a:p>
@@ -1445,7 +1445,7 @@
           <a:p>
             <a:fld id="{B06FC500-8883-467F-86CC-3DD840E6FD87}" type="datetimeFigureOut">
               <a:rPr lang="en-US" smtClean="0"/>
-              <a:t>11/19/2022</a:t>
+              <a:t>11/20/2022</a:t>
             </a:fld>
             <a:endParaRPr lang="en-US"/>
           </a:p>
@@ -1753,7 +1753,7 @@
           <a:p>
             <a:fld id="{B06FC500-8883-467F-86CC-3DD840E6FD87}" type="datetimeFigureOut">
               <a:rPr lang="en-US" smtClean="0"/>
-              <a:t>11/19/2022</a:t>
+              <a:t>11/20/2022</a:t>
             </a:fld>
             <a:endParaRPr lang="en-US"/>
           </a:p>
@@ -1980,7 +1980,7 @@
           <a:p>
             <a:fld id="{B06FC500-8883-467F-86CC-3DD840E6FD87}" type="datetimeFigureOut">
               <a:rPr lang="en-US" smtClean="0"/>
-              <a:t>11/19/2022</a:t>
+              <a:t>11/20/2022</a:t>
             </a:fld>
             <a:endParaRPr lang="en-US"/>
           </a:p>
@@ -2070,7 +2070,7 @@
           <a:p>
             <a:fld id="{B06FC500-8883-467F-86CC-3DD840E6FD87}" type="datetimeFigureOut">
               <a:rPr lang="en-US" smtClean="0"/>
-              <a:t>11/19/2022</a:t>
+              <a:t>11/20/2022</a:t>
             </a:fld>
             <a:endParaRPr lang="en-US"/>
           </a:p>
@@ -2358,7 +2358,7 @@
           <a:p>
             <a:fld id="{B06FC500-8883-467F-86CC-3DD840E6FD87}" type="datetimeFigureOut">
               <a:rPr lang="en-US" smtClean="0"/>
-              <a:t>11/19/2022</a:t>
+              <a:t>11/20/2022</a:t>
             </a:fld>
             <a:endParaRPr lang="en-US"/>
           </a:p>
@@ -2627,7 +2627,7 @@
           <a:p>
             <a:fld id="{B06FC500-8883-467F-86CC-3DD840E6FD87}" type="datetimeFigureOut">
               <a:rPr lang="en-US" smtClean="0"/>
-              <a:t>11/19/2022</a:t>
+              <a:t>11/20/2022</a:t>
             </a:fld>
             <a:endParaRPr lang="en-US"/>
           </a:p>
@@ -2837,7 +2837,7 @@
           <a:p>
             <a:fld id="{B06FC500-8883-467F-86CC-3DD840E6FD87}" type="datetimeFigureOut">
               <a:rPr lang="en-US" smtClean="0"/>
-              <a:t>11/19/2022</a:t>
+              <a:t>11/20/2022</a:t>
             </a:fld>
             <a:endParaRPr lang="en-US"/>
           </a:p>
@@ -3367,7 +3367,7 @@
         </p:nvSpPr>
         <p:spPr>
           <a:xfrm>
-            <a:off x="609600" y="838200"/>
+            <a:off x="381000" y="2286000"/>
             <a:ext cx="7772400" cy="1470025"/>
           </a:xfrm>
         </p:spPr>
@@ -3377,7 +3377,22 @@
           <a:p>
             <a:r>
               <a:rPr lang="en-US" dirty="0" smtClean="0"/>
-              <a:t>Capstone Project </a:t>
+              <a:t>Capstone </a:t>
+            </a:r>
+            <a:r>
+              <a:rPr lang="en-US" dirty="0" smtClean="0"/>
+              <a:t>Project</a:t>
+            </a:r>
+            <a:br>
+              <a:rPr lang="en-US" dirty="0" smtClean="0"/>
+            </a:br>
+            <a:r>
+              <a:rPr lang="en-US" sz="3600" dirty="0" smtClean="0"/>
+              <a:t>Telecom Churn Management </a:t>
+            </a:r>
+            <a:r>
+              <a:rPr lang="en-US" sz="3600" dirty="0" smtClean="0"/>
+              <a:t> </a:t>
             </a:r>
             <a:endParaRPr lang="en-US" dirty="0"/>
           </a:p>
@@ -3870,11 +3885,7 @@
             </a:pPr>
             <a:r>
               <a:rPr lang="en-US" sz="1900" dirty="0"/>
-              <a:t>In the meanwhile the model summary was </a:t>
-            </a:r>
-            <a:r>
-              <a:rPr lang="en-US" sz="1900" dirty="0"/>
-              <a:t>taken using </a:t>
+              <a:t>In the meanwhile the model summary was taken using </a:t>
             </a:r>
             <a:r>
               <a:rPr lang="en-US" sz="1900" dirty="0" err="1"/>
@@ -3884,7 +3895,6 @@
               <a:rPr lang="en-US" sz="1900" dirty="0"/>
               <a:t>. As per summary , most of the features having P value of less than 0.05, that mean there are high influential to target variable of churn </a:t>
             </a:r>
-            <a:endParaRPr lang="en-US" sz="1900" dirty="0"/>
           </a:p>
           <a:p>
             <a:pPr marL="0" indent="0">
